--- a/Templates/test15.pptx
+++ b/Templates/test15.pptx
@@ -232,7 +232,7 @@
           <a:p>
             <a:fld id="{515CCE07-1711-4DC7-A7D8-7ED312C82FB8}" type="datetimeFigureOut">
               <a:rPr lang="fr-FR" smtClean="0"/>
-              <a:t>16/03/2022</a:t>
+              <a:t>21/03/2022</a:t>
             </a:fld>
             <a:endParaRPr lang="fr-FR"/>
           </a:p>
@@ -397,7 +397,7 @@
           <a:p>
             <a:fld id="{014ABEAC-8B63-4BD1-9569-A14EB8752A94}" type="datetimeFigureOut">
               <a:rPr lang="fr-FR" smtClean="0"/>
-              <a:t>16/03/2022</a:t>
+              <a:t>21/03/2022</a:t>
             </a:fld>
             <a:endParaRPr lang="fr-FR"/>
           </a:p>
@@ -3687,7 +3687,41 @@
                 <a:ea typeface="+mn-ea"/>
                 <a:cs typeface="+mn-cs"/>
               </a:rPr>
-              <a:t>Pour un investissement dans « &lt;NOM&gt; », vous êtes exposé pour une durée de &lt;1PR&gt; à &lt;DPRR&gt; &lt;F0&gt;&lt;F0s&gt; à l’évolution de &lt;SJR1&gt; &lt;NOMSOUSJACENT&gt; </a:t>
+              <a:t>Pour un investissement dans « &lt;NOM&gt; », vous êtes exposé pour une durée de &lt;1PR&gt; à &lt;DPRR&gt; &lt;F0&gt;&lt;F0s&gt; à </a:t>
+            </a:r>
+            <a:r>
+              <a:rPr kumimoji="0" lang="fr-FR" sz="800" b="1" i="0" u="none" strike="noStrike" kern="1200" cap="none" spc="0" normalizeH="0" baseline="0" noProof="0">
+                <a:ln>
+                  <a:noFill/>
+                </a:ln>
+                <a:solidFill>
+                  <a:schemeClr val="tx1"/>
+                </a:solidFill>
+                <a:effectLst/>
+                <a:uLnTx/>
+                <a:uFillTx/>
+                <a:latin typeface="Proxima Nova Rg"/>
+                <a:ea typeface="+mn-ea"/>
+                <a:cs typeface="+mn-cs"/>
+              </a:rPr>
+              <a:t>l’évolution &lt;SJR6&gt; &lt;</a:t>
+            </a:r>
+            <a:r>
+              <a:rPr kumimoji="0" lang="fr-FR" sz="800" b="1" i="0" u="none" strike="noStrike" kern="1200" cap="none" spc="0" normalizeH="0" baseline="0" noProof="0" dirty="0">
+                <a:ln>
+                  <a:noFill/>
+                </a:ln>
+                <a:solidFill>
+                  <a:schemeClr val="tx1"/>
+                </a:solidFill>
+                <a:effectLst/>
+                <a:uLnTx/>
+                <a:uFillTx/>
+                <a:latin typeface="Proxima Nova Rg"/>
+                <a:ea typeface="+mn-ea"/>
+                <a:cs typeface="+mn-cs"/>
+              </a:rPr>
+              <a:t>NOMSOUSJACENT&gt; </a:t>
             </a:r>
             <a:r>
               <a:rPr kumimoji="0" lang="fr-FR" sz="800" b="0" i="0" u="none" strike="noStrike" kern="1200" cap="none" spc="0" normalizeH="0" baseline="0" noProof="0" dirty="0">
@@ -10692,6 +10726,42 @@
           </a:p>
         </p:txBody>
       </p:sp>
+      <p:sp>
+        <p:nvSpPr>
+          <p:cNvPr id="3" name="ZoneTexte 2">
+            <a:extLst>
+              <a:ext uri="{FF2B5EF4-FFF2-40B4-BE49-F238E27FC236}">
+                <a16:creationId xmlns:a16="http://schemas.microsoft.com/office/drawing/2014/main" id="{4B82060F-E06E-4625-802A-A085D6566843}"/>
+              </a:ext>
+            </a:extLst>
+          </p:cNvPr>
+          <p:cNvSpPr txBox="1"/>
+          <p:nvPr/>
+        </p:nvSpPr>
+        <p:spPr>
+          <a:xfrm>
+            <a:off x="548640" y="2139696"/>
+            <a:ext cx="1929384" cy="369332"/>
+          </a:xfrm>
+          <a:prstGeom prst="rect">
+            <a:avLst/>
+          </a:prstGeom>
+          <a:noFill/>
+        </p:spPr>
+        <p:txBody>
+          <a:bodyPr wrap="square" rtlCol="0">
+            <a:spAutoFit/>
+          </a:bodyPr>
+          <a:lstStyle/>
+          <a:p>
+            <a:r>
+              <a:rPr lang="fr-FR"/>
+              <a:t>&lt;graph1&gt;</a:t>
+            </a:r>
+            <a:endParaRPr lang="en-US"/>
+          </a:p>
+        </p:txBody>
+      </p:sp>
     </p:spTree>
     <p:extLst>
       <p:ext uri="{BB962C8B-B14F-4D97-AF65-F5344CB8AC3E}">
@@ -11201,10 +11271,10 @@
           </a:lstStyle>
           <a:p>
             <a:r>
-              <a:rPr lang="fr-FR" sz="1200" cap="none" dirty="0">
+              <a:rPr lang="fr-FR" sz="1200" cap="none">
                 <a:latin typeface="Futura PT" panose="020B0902020204020203" pitchFamily="34" charset="0"/>
               </a:rPr>
-              <a:t>ÉVOLUTION DE/DES &lt;SJR1&gt; </a:t>
+              <a:t>ÉVOLUTION &lt;SJR6&gt; </a:t>
             </a:r>
             <a:r>
               <a:rPr lang="fr-FR" sz="1200" cap="none" dirty="0">
@@ -19417,20 +19487,20 @@
 </file>
 
 <file path=customXml/item1.xml><?xml version="1.0" encoding="utf-8"?>
-<p:properties xmlns:p="http://schemas.microsoft.com/office/2006/metadata/properties" xmlns:xsi="http://www.w3.org/2001/XMLSchema-instance" xmlns:pc="http://schemas.microsoft.com/office/infopath/2007/PartnerControls">
-  <documentManagement>
-    <_Flow_SignoffStatus xmlns="ef624bc2-1644-4d69-8362-5c28ca496374" xsi:nil="true"/>
-  </documentManagement>
-</p:properties>
-</file>
-
-<file path=customXml/item2.xml><?xml version="1.0" encoding="utf-8"?>
 <?mso-contentType ?>
 <FormTemplates xmlns="http://schemas.microsoft.com/sharepoint/v3/contenttype/forms">
   <Display>DocumentLibraryForm</Display>
   <Edit>DocumentLibraryForm</Edit>
   <New>DocumentLibraryForm</New>
 </FormTemplates>
+</file>
+
+<file path=customXml/item2.xml><?xml version="1.0" encoding="utf-8"?>
+<p:properties xmlns:p="http://schemas.microsoft.com/office/2006/metadata/properties" xmlns:xsi="http://www.w3.org/2001/XMLSchema-instance" xmlns:pc="http://schemas.microsoft.com/office/infopath/2007/PartnerControls">
+  <documentManagement>
+    <_Flow_SignoffStatus xmlns="ef624bc2-1644-4d69-8362-5c28ca496374" xsi:nil="true"/>
+  </documentManagement>
+</p:properties>
 </file>
 
 <file path=customXml/item3.xml><?xml version="1.0" encoding="utf-8"?>
@@ -19657,6 +19727,14 @@
 </file>
 
 <file path=customXml/itemProps1.xml><?xml version="1.0" encoding="utf-8"?>
+<ds:datastoreItem xmlns:ds="http://schemas.openxmlformats.org/officeDocument/2006/customXml" ds:itemID="{B00FC41E-FBDE-42E2-B58A-20EBD240A376}">
+  <ds:schemaRefs>
+    <ds:schemaRef ds:uri="http://schemas.microsoft.com/sharepoint/v3/contenttype/forms"/>
+  </ds:schemaRefs>
+</ds:datastoreItem>
+</file>
+
+<file path=customXml/itemProps2.xml><?xml version="1.0" encoding="utf-8"?>
 <ds:datastoreItem xmlns:ds="http://schemas.openxmlformats.org/officeDocument/2006/customXml" ds:itemID="{25DE574B-2CD2-4078-9BEA-2A14717D9698}">
   <ds:schemaRefs>
     <ds:schemaRef ds:uri="http://schemas.microsoft.com/office/2006/documentManagement/types"/>
@@ -19669,14 +19747,6 @@
     <ds:schemaRef ds:uri="http://schemas.microsoft.com/office/2006/metadata/properties"/>
     <ds:schemaRef ds:uri="http://www.w3.org/XML/1998/namespace"/>
     <ds:schemaRef ds:uri="http://purl.org/dc/elements/1.1/"/>
-  </ds:schemaRefs>
-</ds:datastoreItem>
-</file>
-
-<file path=customXml/itemProps2.xml><?xml version="1.0" encoding="utf-8"?>
-<ds:datastoreItem xmlns:ds="http://schemas.openxmlformats.org/officeDocument/2006/customXml" ds:itemID="{B00FC41E-FBDE-42E2-B58A-20EBD240A376}">
-  <ds:schemaRefs>
-    <ds:schemaRef ds:uri="http://schemas.microsoft.com/sharepoint/v3/contenttype/forms"/>
   </ds:schemaRefs>
 </ds:datastoreItem>
 </file>
